--- a/database/slides/THE_KING'S_HORSES.pptx
+++ b/database/slides/THE_KING'S_HORSES.pptx
@@ -16307,7 +16307,13 @@
       </p:sp>
       <p:sp>
         <p:nvSpPr>
-          <p:cNvPr id="131" name="Google Shape;131;p25"/>
+          <p:cNvPr id="2" name="Google Shape;131;p25">
+            <a:extLst>
+              <a:ext uri="{FF2B5EF4-FFF2-40B4-BE49-F238E27FC236}">
+                <a16:creationId xmlns:a16="http://schemas.microsoft.com/office/drawing/2014/main" id="{19D6BC69-B834-ECF6-6305-8BC9FB6FAE4E}"/>
+              </a:ext>
+            </a:extLst>
+          </p:cNvPr>
           <p:cNvSpPr txBox="1"/>
           <p:nvPr/>
         </p:nvSpPr>
@@ -16330,11 +16336,19 @@
           </a:bodyPr>
           <a:lstStyle/>
           <a:p>
-            <a:pPr>
+            <a:pPr marL="0" lvl="0" indent="0" algn="l" rtl="0">
+              <a:spcBef>
+                <a:spcPts val="0"/>
+              </a:spcBef>
+              <a:spcAft>
+                <a:spcPts val="0"/>
+              </a:spcAft>
               <a:buClr>
                 <a:schemeClr val="lt1"/>
               </a:buClr>
               <a:buSzPts val="3200"/>
+              <a:buFont typeface="Arial"/>
+              <a:buNone/>
             </a:pPr>
             <a:r>
               <a:rPr lang="en-GB" sz="3600" b="1" i="1" dirty="0">
@@ -16348,7 +16362,7 @@
               </a:rPr>
               <a:t>contd..</a:t>
             </a:r>
-            <a:endParaRPr lang="en-GB" sz="3600" dirty="0">
+            <a:endParaRPr sz="3600" dirty="0">
               <a:latin typeface="Calibri"/>
               <a:ea typeface="Calibri"/>
               <a:cs typeface="Calibri"/>
@@ -16731,7 +16745,13 @@
       </p:sp>
       <p:sp>
         <p:nvSpPr>
-          <p:cNvPr id="131" name="Google Shape;131;p25"/>
+          <p:cNvPr id="2" name="Google Shape;131;p25">
+            <a:extLst>
+              <a:ext uri="{FF2B5EF4-FFF2-40B4-BE49-F238E27FC236}">
+                <a16:creationId xmlns:a16="http://schemas.microsoft.com/office/drawing/2014/main" id="{0DDE8690-3B7E-FAE6-E6F4-91684A689A23}"/>
+              </a:ext>
+            </a:extLst>
+          </p:cNvPr>
           <p:cNvSpPr txBox="1"/>
           <p:nvPr/>
         </p:nvSpPr>
@@ -16754,11 +16774,19 @@
           </a:bodyPr>
           <a:lstStyle/>
           <a:p>
-            <a:pPr>
+            <a:pPr marL="0" lvl="0" indent="0" algn="l" rtl="0">
+              <a:spcBef>
+                <a:spcPts val="0"/>
+              </a:spcBef>
+              <a:spcAft>
+                <a:spcPts val="0"/>
+              </a:spcAft>
               <a:buClr>
                 <a:schemeClr val="lt1"/>
               </a:buClr>
               <a:buSzPts val="3200"/>
+              <a:buFont typeface="Arial"/>
+              <a:buNone/>
             </a:pPr>
             <a:r>
               <a:rPr lang="en-GB" sz="3600" b="1" i="1" dirty="0">
@@ -16772,7 +16800,7 @@
               </a:rPr>
               <a:t>contd..</a:t>
             </a:r>
-            <a:endParaRPr lang="en-GB" sz="3600" dirty="0">
+            <a:endParaRPr sz="3600" dirty="0">
               <a:latin typeface="Calibri"/>
               <a:ea typeface="Calibri"/>
               <a:cs typeface="Calibri"/>
@@ -17136,7 +17164,13 @@
       </p:sp>
       <p:sp>
         <p:nvSpPr>
-          <p:cNvPr id="131" name="Google Shape;131;p25"/>
+          <p:cNvPr id="2" name="Google Shape;131;p25">
+            <a:extLst>
+              <a:ext uri="{FF2B5EF4-FFF2-40B4-BE49-F238E27FC236}">
+                <a16:creationId xmlns:a16="http://schemas.microsoft.com/office/drawing/2014/main" id="{87E93CB6-FDAA-A6A6-F4FF-B30C3BD6888E}"/>
+              </a:ext>
+            </a:extLst>
+          </p:cNvPr>
           <p:cNvSpPr txBox="1"/>
           <p:nvPr/>
         </p:nvSpPr>
@@ -17159,11 +17193,19 @@
           </a:bodyPr>
           <a:lstStyle/>
           <a:p>
-            <a:pPr>
+            <a:pPr marL="0" lvl="0" indent="0" algn="l" rtl="0">
+              <a:spcBef>
+                <a:spcPts val="0"/>
+              </a:spcBef>
+              <a:spcAft>
+                <a:spcPts val="0"/>
+              </a:spcAft>
               <a:buClr>
                 <a:schemeClr val="lt1"/>
               </a:buClr>
               <a:buSzPts val="3200"/>
+              <a:buFont typeface="Arial"/>
+              <a:buNone/>
             </a:pPr>
             <a:r>
               <a:rPr lang="en-GB" sz="3600" b="1" i="1" dirty="0">
@@ -17177,7 +17219,7 @@
               </a:rPr>
               <a:t>contd..</a:t>
             </a:r>
-            <a:endParaRPr lang="en-GB" sz="3600" dirty="0">
+            <a:endParaRPr sz="3600" dirty="0">
               <a:latin typeface="Calibri"/>
               <a:ea typeface="Calibri"/>
               <a:cs typeface="Calibri"/>
@@ -17538,7 +17580,13 @@
       </p:sp>
       <p:sp>
         <p:nvSpPr>
-          <p:cNvPr id="131" name="Google Shape;131;p25"/>
+          <p:cNvPr id="2" name="Google Shape;131;p25">
+            <a:extLst>
+              <a:ext uri="{FF2B5EF4-FFF2-40B4-BE49-F238E27FC236}">
+                <a16:creationId xmlns:a16="http://schemas.microsoft.com/office/drawing/2014/main" id="{F86578D1-6B70-678D-6E87-C451D664DEAC}"/>
+              </a:ext>
+            </a:extLst>
+          </p:cNvPr>
           <p:cNvSpPr txBox="1"/>
           <p:nvPr/>
         </p:nvSpPr>
@@ -17561,11 +17609,19 @@
           </a:bodyPr>
           <a:lstStyle/>
           <a:p>
-            <a:pPr>
+            <a:pPr marL="0" lvl="0" indent="0" algn="l" rtl="0">
+              <a:spcBef>
+                <a:spcPts val="0"/>
+              </a:spcBef>
+              <a:spcAft>
+                <a:spcPts val="0"/>
+              </a:spcAft>
               <a:buClr>
                 <a:schemeClr val="lt1"/>
               </a:buClr>
               <a:buSzPts val="3200"/>
+              <a:buFont typeface="Arial"/>
+              <a:buNone/>
             </a:pPr>
             <a:r>
               <a:rPr lang="en-GB" sz="3600" b="1" i="1" dirty="0">
@@ -17579,7 +17635,7 @@
               </a:rPr>
               <a:t>contd..</a:t>
             </a:r>
-            <a:endParaRPr lang="en-GB" sz="3600" dirty="0">
+            <a:endParaRPr sz="3600" dirty="0">
               <a:latin typeface="Calibri"/>
               <a:ea typeface="Calibri"/>
               <a:cs typeface="Calibri"/>
@@ -17943,7 +17999,13 @@
       </p:sp>
       <p:sp>
         <p:nvSpPr>
-          <p:cNvPr id="131" name="Google Shape;131;p25"/>
+          <p:cNvPr id="2" name="Google Shape;131;p25">
+            <a:extLst>
+              <a:ext uri="{FF2B5EF4-FFF2-40B4-BE49-F238E27FC236}">
+                <a16:creationId xmlns:a16="http://schemas.microsoft.com/office/drawing/2014/main" id="{3552DC30-FC15-C5CE-3C04-914E608A2304}"/>
+              </a:ext>
+            </a:extLst>
+          </p:cNvPr>
           <p:cNvSpPr txBox="1"/>
           <p:nvPr/>
         </p:nvSpPr>
@@ -17966,11 +18028,19 @@
           </a:bodyPr>
           <a:lstStyle/>
           <a:p>
-            <a:pPr>
+            <a:pPr marL="0" lvl="0" indent="0" algn="l" rtl="0">
+              <a:spcBef>
+                <a:spcPts val="0"/>
+              </a:spcBef>
+              <a:spcAft>
+                <a:spcPts val="0"/>
+              </a:spcAft>
               <a:buClr>
                 <a:schemeClr val="lt1"/>
               </a:buClr>
               <a:buSzPts val="3200"/>
+              <a:buFont typeface="Arial"/>
+              <a:buNone/>
             </a:pPr>
             <a:r>
               <a:rPr lang="en-GB" sz="3600" b="1" i="1" dirty="0">
@@ -17984,7 +18054,7 @@
               </a:rPr>
               <a:t>contd..</a:t>
             </a:r>
-            <a:endParaRPr lang="en-GB" sz="3600" dirty="0">
+            <a:endParaRPr sz="3600" dirty="0">
               <a:latin typeface="Calibri"/>
               <a:ea typeface="Calibri"/>
               <a:cs typeface="Calibri"/>
